--- a/Calitoo0422_measurements_21_10/Calitoo_Interim_Results.pptx
+++ b/Calitoo0422_measurements_21_10/Calitoo_Interim_Results.pptx
@@ -229,7 +229,7 @@
           <a:p>
             <a:fld id="{F68ABEA4-9216-4FDF-AAE1-D8632908A8EC}" type="datetimeFigureOut">
               <a:rPr lang="de-CH" smtClean="0"/>
-              <a:t>26.11.2024</a:t>
+              <a:t>27.11.2024</a:t>
             </a:fld>
             <a:endParaRPr lang="de-CH"/>
           </a:p>
@@ -406,7 +406,7 @@
           <a:p>
             <a:fld id="{4B78A90D-FE7E-41AF-B03D-808D82937CB9}" type="datetimeFigureOut">
               <a:rPr lang="de-CH" smtClean="0"/>
-              <a:t>26.11.2024</a:t>
+              <a:t>27.11.2024</a:t>
             </a:fld>
             <a:endParaRPr lang="de-CH"/>
           </a:p>
@@ -1134,7 +1134,7 @@
           <a:p>
             <a:fld id="{C47C2547-0B26-4181-9958-0F74634B97A1}" type="datetime1">
               <a:rPr lang="de-CH" noProof="0" smtClean="0"/>
-              <a:t>26.11.2024</a:t>
+              <a:t>27.11.2024</a:t>
             </a:fld>
             <a:endParaRPr lang="de-CH" noProof="0"/>
           </a:p>
@@ -1329,7 +1329,7 @@
           <a:p>
             <a:fld id="{4A533879-9C0F-4F94-919F-30B833E8871A}" type="datetime1">
               <a:rPr lang="de-CH" noProof="0" smtClean="0"/>
-              <a:t>26.11.2024</a:t>
+              <a:t>27.11.2024</a:t>
             </a:fld>
             <a:endParaRPr lang="de-CH" noProof="0"/>
           </a:p>
@@ -1616,7 +1616,7 @@
           <a:p>
             <a:fld id="{68EF82BE-DF56-4719-B180-C3B0D509F71F}" type="datetime1">
               <a:rPr lang="de-CH" noProof="0" smtClean="0"/>
-              <a:t>26.11.2024</a:t>
+              <a:t>27.11.2024</a:t>
             </a:fld>
             <a:endParaRPr lang="de-CH" noProof="0"/>
           </a:p>
@@ -1914,7 +1914,7 @@
           <a:p>
             <a:fld id="{3E1B9425-7348-43E2-B0E9-6A2A48F5FA8A}" type="datetime1">
               <a:rPr lang="de-CH" noProof="0" smtClean="0"/>
-              <a:t>26.11.2024</a:t>
+              <a:t>27.11.2024</a:t>
             </a:fld>
             <a:endParaRPr lang="de-CH" noProof="0"/>
           </a:p>
@@ -2314,7 +2314,7 @@
           <a:p>
             <a:fld id="{0F7782B2-018B-4FD3-AD95-2F64EDE0E9D6}" type="datetime1">
               <a:rPr lang="de-CH" noProof="0" smtClean="0"/>
-              <a:t>26.11.2024</a:t>
+              <a:t>27.11.2024</a:t>
             </a:fld>
             <a:endParaRPr lang="de-CH" noProof="0"/>
           </a:p>
@@ -2682,7 +2682,7 @@
           <a:p>
             <a:fld id="{D0A0FED0-443D-411A-B8E4-0668A8890EE3}" type="datetime1">
               <a:rPr lang="de-CH" noProof="0" smtClean="0"/>
-              <a:t>26.11.2024</a:t>
+              <a:t>27.11.2024</a:t>
             </a:fld>
             <a:endParaRPr lang="de-CH" noProof="0"/>
           </a:p>
@@ -4711,7 +4711,7 @@
           <a:p>
             <a:fld id="{1332D50A-E6CC-4D88-8908-F2129032F4C7}" type="datetime1">
               <a:rPr lang="de-CH" noProof="0" smtClean="0"/>
-              <a:t>26.11.2024</a:t>
+              <a:t>27.11.2024</a:t>
             </a:fld>
             <a:endParaRPr lang="de-CH" noProof="0"/>
           </a:p>
@@ -4954,7 +4954,7 @@
           <a:p>
             <a:fld id="{11B96697-4585-4368-989A-16003D150648}" type="datetime1">
               <a:rPr lang="de-CH" noProof="0" smtClean="0"/>
-              <a:t>26.11.2024</a:t>
+              <a:t>27.11.2024</a:t>
             </a:fld>
             <a:endParaRPr lang="de-CH" noProof="0"/>
           </a:p>
@@ -5202,7 +5202,7 @@
           <a:p>
             <a:fld id="{3A01E762-278A-4155-9BEB-7C2CB2386E92}" type="datetime1">
               <a:rPr lang="de-CH" noProof="0" smtClean="0"/>
-              <a:t>26.11.2024</a:t>
+              <a:t>27.11.2024</a:t>
             </a:fld>
             <a:endParaRPr lang="de-CH" noProof="0"/>
           </a:p>
@@ -5478,7 +5478,7 @@
           <a:p>
             <a:fld id="{6C4EAFE7-317E-4912-B75C-DD6945F82242}" type="datetime1">
               <a:rPr lang="de-CH" noProof="0" smtClean="0"/>
-              <a:t>26.11.2024</a:t>
+              <a:t>27.11.2024</a:t>
             </a:fld>
             <a:endParaRPr lang="de-CH" noProof="0"/>
           </a:p>
@@ -7409,7 +7409,7 @@
           <a:p>
             <a:fld id="{4A358CF3-A22A-46C1-A4E5-5810212466EF}" type="datetime1">
               <a:rPr lang="de-CH" noProof="0" smtClean="0"/>
-              <a:t>26.11.2024</a:t>
+              <a:t>27.11.2024</a:t>
             </a:fld>
             <a:endParaRPr lang="de-CH" noProof="0"/>
           </a:p>
@@ -7906,37 +7906,6 @@
           </a:p>
         </p:txBody>
       </p:sp>
-      <p:pic>
-        <p:nvPicPr>
-          <p:cNvPr id="11" name="Bildplatzhalter 10" descr="Ein Bild, das Regenbogen, Text, Design enthält.&#10;&#10;Automatisch generierte Beschreibung">
-            <a:extLst>
-              <a:ext uri="{FF2B5EF4-FFF2-40B4-BE49-F238E27FC236}">
-                <a16:creationId xmlns:a16="http://schemas.microsoft.com/office/drawing/2014/main" id="{72714608-2C03-9CC4-262C-7EFE7938C2FD}"/>
-              </a:ext>
-            </a:extLst>
-          </p:cNvPr>
-          <p:cNvPicPr>
-            <a:picLocks noGrp="1" noChangeAspect="1"/>
-          </p:cNvPicPr>
-          <p:nvPr>
-            <p:ph type="pic" sz="quarter" idx="12"/>
-          </p:nvPr>
-        </p:nvPicPr>
-        <p:blipFill>
-          <a:blip r:embed="rId2">
-            <a:extLst>
-              <a:ext uri="{28A0092B-C50C-407E-A947-70E740481C1C}">
-                <a14:useLocalDpi xmlns:a14="http://schemas.microsoft.com/office/drawing/2010/main" val="0"/>
-              </a:ext>
-            </a:extLst>
-          </a:blip>
-          <a:srcRect t="26379" b="26379"/>
-          <a:stretch>
-            <a:fillRect/>
-          </a:stretch>
-        </p:blipFill>
-        <p:spPr/>
-      </p:pic>
       <p:sp>
         <p:nvSpPr>
           <p:cNvPr id="5" name="Textplatzhalter 4">
@@ -7960,7 +7929,7 @@
           <a:p>
             <a:r>
               <a:rPr lang="de-DE" b="1" dirty="0"/>
-              <a:t>Interim </a:t>
+              <a:t>Intermediate </a:t>
             </a:r>
             <a:r>
               <a:rPr lang="de-DE" b="1" dirty="0" err="1"/>
@@ -8033,6 +8002,31 @@
           </p:cNvSpPr>
           <p:nvPr>
             <p:ph type="body" sz="quarter" idx="16"/>
+          </p:nvPr>
+        </p:nvSpPr>
+        <p:spPr/>
+        <p:txBody>
+          <a:bodyPr/>
+          <a:lstStyle/>
+          <a:p>
+            <a:endParaRPr lang="en-US"/>
+          </a:p>
+        </p:txBody>
+      </p:sp>
+      <p:sp>
+        <p:nvSpPr>
+          <p:cNvPr id="4" name="Bildplatzhalter 3">
+            <a:extLst>
+              <a:ext uri="{FF2B5EF4-FFF2-40B4-BE49-F238E27FC236}">
+                <a16:creationId xmlns:a16="http://schemas.microsoft.com/office/drawing/2014/main" id="{BED58728-0F62-515B-CBDA-94F8428D829F}"/>
+              </a:ext>
+            </a:extLst>
+          </p:cNvPr>
+          <p:cNvSpPr>
+            <a:spLocks noGrp="1"/>
+          </p:cNvSpPr>
+          <p:nvPr>
+            <p:ph type="pic" sz="quarter" idx="12"/>
           </p:nvPr>
         </p:nvSpPr>
         <p:spPr/>
@@ -8205,7 +8199,7 @@
           <a:p>
             <a:fld id="{D5CE5686-0170-47AF-9B8A-7DF387E652FA}" type="datetime1">
               <a:rPr lang="de-CH" noProof="0" smtClean="0"/>
-              <a:t>26.11.2024</a:t>
+              <a:t>27.11.2024</a:t>
             </a:fld>
             <a:endParaRPr lang="de-CH" noProof="0"/>
           </a:p>
@@ -8325,154 +8319,21 @@
           </a:p>
         </p:txBody>
       </p:sp>
-      <p:sp>
-        <p:nvSpPr>
-          <p:cNvPr id="3" name="Inhaltsplatzhalter 2">
-            <a:extLst>
-              <a:ext uri="{FF2B5EF4-FFF2-40B4-BE49-F238E27FC236}">
-                <a16:creationId xmlns:a16="http://schemas.microsoft.com/office/drawing/2014/main" id="{56BD7DC3-17C3-4B09-9D8E-F143A82B205E}"/>
-              </a:ext>
-            </a:extLst>
-          </p:cNvPr>
-          <p:cNvSpPr>
-            <a:spLocks noGrp="1"/>
-          </p:cNvSpPr>
-          <p:nvPr>
-            <p:ph idx="1"/>
-          </p:nvPr>
-        </p:nvSpPr>
-        <p:spPr/>
-        <p:txBody>
-          <a:bodyPr/>
-          <a:lstStyle/>
-          <a:p>
-            <a:pPr marL="0" indent="0">
-              <a:buNone/>
-            </a:pPr>
-            <a:endParaRPr lang="de-DE" dirty="0"/>
-          </a:p>
-        </p:txBody>
-      </p:sp>
-      <p:sp>
-        <p:nvSpPr>
-          <p:cNvPr id="5" name="Fußzeilenplatzhalter 4">
-            <a:extLst>
-              <a:ext uri="{FF2B5EF4-FFF2-40B4-BE49-F238E27FC236}">
-                <a16:creationId xmlns:a16="http://schemas.microsoft.com/office/drawing/2014/main" id="{74837140-56B7-432E-8671-4B63B23EE4CF}"/>
-              </a:ext>
-            </a:extLst>
-          </p:cNvPr>
-          <p:cNvSpPr>
-            <a:spLocks noGrp="1"/>
-          </p:cNvSpPr>
-          <p:nvPr>
-            <p:ph type="ftr" sz="quarter" idx="11"/>
-          </p:nvPr>
-        </p:nvSpPr>
-        <p:spPr/>
-        <p:txBody>
-          <a:bodyPr/>
-          <a:lstStyle/>
-          <a:p>
-            <a:r>
-              <a:rPr lang="de-DE" noProof="0" dirty="0"/>
-              <a:t>Remote Sensing </a:t>
-            </a:r>
-            <a:r>
-              <a:rPr lang="de-DE" noProof="0" dirty="0" err="1"/>
-              <a:t>of</a:t>
-            </a:r>
-            <a:r>
-              <a:rPr lang="de-DE" noProof="0" dirty="0"/>
-              <a:t> </a:t>
-            </a:r>
-            <a:r>
-              <a:rPr lang="de-DE" noProof="0" dirty="0" err="1"/>
-              <a:t>the</a:t>
-            </a:r>
-            <a:r>
-              <a:rPr lang="de-DE" noProof="0" dirty="0"/>
-              <a:t> </a:t>
-            </a:r>
-            <a:r>
-              <a:rPr lang="de-DE" noProof="0" dirty="0" err="1"/>
-              <a:t>Atmosphere</a:t>
-            </a:r>
-            <a:endParaRPr lang="de-CH" noProof="0" dirty="0"/>
-          </a:p>
-        </p:txBody>
-      </p:sp>
-      <p:sp>
-        <p:nvSpPr>
-          <p:cNvPr id="4" name="Datumsplatzhalter 3">
-            <a:extLst>
-              <a:ext uri="{FF2B5EF4-FFF2-40B4-BE49-F238E27FC236}">
-                <a16:creationId xmlns:a16="http://schemas.microsoft.com/office/drawing/2014/main" id="{C6DB7874-B99C-4F6D-A86D-EA0EE8CA0B16}"/>
-              </a:ext>
-            </a:extLst>
-          </p:cNvPr>
-          <p:cNvSpPr>
-            <a:spLocks noGrp="1"/>
-          </p:cNvSpPr>
-          <p:nvPr>
-            <p:ph type="dt" sz="half" idx="10"/>
-          </p:nvPr>
-        </p:nvSpPr>
-        <p:spPr/>
-        <p:txBody>
-          <a:bodyPr/>
-          <a:lstStyle/>
-          <a:p>
-            <a:fld id="{D5CE5686-0170-47AF-9B8A-7DF387E652FA}" type="datetime1">
-              <a:rPr lang="de-CH" noProof="0" smtClean="0"/>
-              <a:t>26.11.2024</a:t>
-            </a:fld>
-            <a:endParaRPr lang="de-CH" noProof="0"/>
-          </a:p>
-        </p:txBody>
-      </p:sp>
-      <p:sp>
-        <p:nvSpPr>
-          <p:cNvPr id="6" name="Foliennummernplatzhalter 5">
-            <a:extLst>
-              <a:ext uri="{FF2B5EF4-FFF2-40B4-BE49-F238E27FC236}">
-                <a16:creationId xmlns:a16="http://schemas.microsoft.com/office/drawing/2014/main" id="{9620278B-D74F-421E-A3BD-EC66D58377A7}"/>
-              </a:ext>
-            </a:extLst>
-          </p:cNvPr>
-          <p:cNvSpPr>
-            <a:spLocks noGrp="1"/>
-          </p:cNvSpPr>
-          <p:nvPr>
-            <p:ph type="sldNum" sz="quarter" idx="12"/>
-          </p:nvPr>
-        </p:nvSpPr>
-        <p:spPr/>
-        <p:txBody>
-          <a:bodyPr/>
-          <a:lstStyle/>
-          <a:p>
-            <a:fld id="{5ACA52AF-F19D-405C-AD5F-7D94B96A5CC3}" type="slidenum">
-              <a:rPr lang="de-CH" noProof="0" smtClean="0"/>
-              <a:t>3</a:t>
-            </a:fld>
-            <a:endParaRPr lang="de-CH" noProof="0"/>
-          </a:p>
-        </p:txBody>
-      </p:sp>
       <p:pic>
         <p:nvPicPr>
-          <p:cNvPr id="8" name="Grafik 7" descr="Ein Bild, das Text, Diagramm, Plan, parallel enthält.&#10;&#10;Automatisch generierte Beschreibung">
-            <a:extLst>
-              <a:ext uri="{FF2B5EF4-FFF2-40B4-BE49-F238E27FC236}">
-                <a16:creationId xmlns:a16="http://schemas.microsoft.com/office/drawing/2014/main" id="{E854208C-2590-03DE-FC8E-D4C3B53B07B4}"/>
+          <p:cNvPr id="9" name="Inhaltsplatzhalter 8" descr="Ein Bild, das Text, Diagramm, Plan, Karte enthält.&#10;&#10;Automatisch generierte Beschreibung">
+            <a:extLst>
+              <a:ext uri="{FF2B5EF4-FFF2-40B4-BE49-F238E27FC236}">
+                <a16:creationId xmlns:a16="http://schemas.microsoft.com/office/drawing/2014/main" id="{FF28C2F8-06B0-5514-D8BC-1790D547C242}"/>
               </a:ext>
             </a:extLst>
           </p:cNvPr>
           <p:cNvPicPr>
-            <a:picLocks noChangeAspect="1"/>
+            <a:picLocks noGrp="1" noChangeAspect="1"/>
           </p:cNvPicPr>
-          <p:nvPr/>
+          <p:nvPr>
+            <p:ph idx="1"/>
+          </p:nvPr>
         </p:nvPicPr>
         <p:blipFill>
           <a:blip r:embed="rId2">
@@ -8488,14 +8349,118 @@
         </p:blipFill>
         <p:spPr>
           <a:xfrm>
-            <a:off x="2695857" y="140795"/>
-            <a:ext cx="6597649" cy="6597649"/>
+            <a:off x="2758497" y="119555"/>
+            <a:ext cx="6485255" cy="6485255"/>
           </a:xfrm>
-          <a:prstGeom prst="rect">
-            <a:avLst/>
-          </a:prstGeom>
         </p:spPr>
       </p:pic>
+      <p:sp>
+        <p:nvSpPr>
+          <p:cNvPr id="5" name="Fußzeilenplatzhalter 4">
+            <a:extLst>
+              <a:ext uri="{FF2B5EF4-FFF2-40B4-BE49-F238E27FC236}">
+                <a16:creationId xmlns:a16="http://schemas.microsoft.com/office/drawing/2014/main" id="{74837140-56B7-432E-8671-4B63B23EE4CF}"/>
+              </a:ext>
+            </a:extLst>
+          </p:cNvPr>
+          <p:cNvSpPr>
+            <a:spLocks noGrp="1"/>
+          </p:cNvSpPr>
+          <p:nvPr>
+            <p:ph type="ftr" sz="quarter" idx="11"/>
+          </p:nvPr>
+        </p:nvSpPr>
+        <p:spPr/>
+        <p:txBody>
+          <a:bodyPr/>
+          <a:lstStyle/>
+          <a:p>
+            <a:r>
+              <a:rPr lang="de-DE" noProof="0" dirty="0"/>
+              <a:t>Remote Sensing </a:t>
+            </a:r>
+            <a:r>
+              <a:rPr lang="de-DE" noProof="0" dirty="0" err="1"/>
+              <a:t>of</a:t>
+            </a:r>
+            <a:r>
+              <a:rPr lang="de-DE" noProof="0" dirty="0"/>
+              <a:t> </a:t>
+            </a:r>
+            <a:r>
+              <a:rPr lang="de-DE" noProof="0" dirty="0" err="1"/>
+              <a:t>the</a:t>
+            </a:r>
+            <a:r>
+              <a:rPr lang="de-DE" noProof="0" dirty="0"/>
+              <a:t> </a:t>
+            </a:r>
+            <a:r>
+              <a:rPr lang="de-DE" noProof="0" dirty="0" err="1"/>
+              <a:t>Atmosphere</a:t>
+            </a:r>
+            <a:endParaRPr lang="de-CH" noProof="0" dirty="0"/>
+          </a:p>
+        </p:txBody>
+      </p:sp>
+      <p:sp>
+        <p:nvSpPr>
+          <p:cNvPr id="4" name="Datumsplatzhalter 3">
+            <a:extLst>
+              <a:ext uri="{FF2B5EF4-FFF2-40B4-BE49-F238E27FC236}">
+                <a16:creationId xmlns:a16="http://schemas.microsoft.com/office/drawing/2014/main" id="{C6DB7874-B99C-4F6D-A86D-EA0EE8CA0B16}"/>
+              </a:ext>
+            </a:extLst>
+          </p:cNvPr>
+          <p:cNvSpPr>
+            <a:spLocks noGrp="1"/>
+          </p:cNvSpPr>
+          <p:nvPr>
+            <p:ph type="dt" sz="half" idx="10"/>
+          </p:nvPr>
+        </p:nvSpPr>
+        <p:spPr/>
+        <p:txBody>
+          <a:bodyPr/>
+          <a:lstStyle/>
+          <a:p>
+            <a:fld id="{D5CE5686-0170-47AF-9B8A-7DF387E652FA}" type="datetime1">
+              <a:rPr lang="de-CH" noProof="0" smtClean="0"/>
+              <a:t>27.11.2024</a:t>
+            </a:fld>
+            <a:endParaRPr lang="de-CH" noProof="0"/>
+          </a:p>
+        </p:txBody>
+      </p:sp>
+      <p:sp>
+        <p:nvSpPr>
+          <p:cNvPr id="6" name="Foliennummernplatzhalter 5">
+            <a:extLst>
+              <a:ext uri="{FF2B5EF4-FFF2-40B4-BE49-F238E27FC236}">
+                <a16:creationId xmlns:a16="http://schemas.microsoft.com/office/drawing/2014/main" id="{9620278B-D74F-421E-A3BD-EC66D58377A7}"/>
+              </a:ext>
+            </a:extLst>
+          </p:cNvPr>
+          <p:cNvSpPr>
+            <a:spLocks noGrp="1"/>
+          </p:cNvSpPr>
+          <p:nvPr>
+            <p:ph type="sldNum" sz="quarter" idx="12"/>
+          </p:nvPr>
+        </p:nvSpPr>
+        <p:spPr/>
+        <p:txBody>
+          <a:bodyPr/>
+          <a:lstStyle/>
+          <a:p>
+            <a:fld id="{5ACA52AF-F19D-405C-AD5F-7D94B96A5CC3}" type="slidenum">
+              <a:rPr lang="de-CH" noProof="0" smtClean="0"/>
+              <a:t>3</a:t>
+            </a:fld>
+            <a:endParaRPr lang="de-CH" noProof="0"/>
+          </a:p>
+        </p:txBody>
+      </p:sp>
     </p:spTree>
     <p:extLst>
       <p:ext uri="{BB962C8B-B14F-4D97-AF65-F5344CB8AC3E}">
@@ -8664,7 +8629,7 @@
           <a:p>
             <a:fld id="{D5CE5686-0170-47AF-9B8A-7DF387E652FA}" type="datetime1">
               <a:rPr lang="de-CH" noProof="0" smtClean="0"/>
-              <a:t>26.11.2024</a:t>
+              <a:t>27.11.2024</a:t>
             </a:fld>
             <a:endParaRPr lang="de-CH" noProof="0"/>
           </a:p>
